--- a/pertemuan_2/Pertemuan_2.pptx
+++ b/pertemuan_2/Pertemuan_2.pptx
@@ -37,10 +37,9 @@
     <p:sldId id="336" r:id="rId30"/>
     <p:sldId id="337" r:id="rId31"/>
     <p:sldId id="341" r:id="rId32"/>
-    <p:sldId id="342" r:id="rId33"/>
-    <p:sldId id="344" r:id="rId34"/>
-    <p:sldId id="343" r:id="rId35"/>
-    <p:sldId id="294" r:id="rId36"/>
+    <p:sldId id="344" r:id="rId33"/>
+    <p:sldId id="343" r:id="rId34"/>
+    <p:sldId id="294" r:id="rId35"/>
   </p:sldIdLst>
   <p:sldSz cx="12192000" cy="6858000"/>
   <p:notesSz cx="6858000" cy="9144000"/>
@@ -8974,7 +8973,15 @@
           <a:p>
             <a:r>
               <a:rPr lang="en-US"/>
-              <a:t>It’s because flash message use Session to work.</a:t>
+              <a:t>It’s because flash message use </a:t>
+            </a:r>
+            <a:r>
+              <a:rPr lang="en-US" b="1"/>
+              <a:t>Session </a:t>
+            </a:r>
+            <a:r>
+              <a:rPr lang="en-US"/>
+              <a:t>to work.</a:t>
             </a:r>
             <a:endParaRPr lang="en-US"/>
           </a:p>
@@ -11199,7 +11206,7 @@
             </a:r>
             <a:r>
               <a:rPr lang="en-US" sz="2000" b="1"/>
-              <a:t> forms.html</a:t>
+              <a:t> forms.py</a:t>
             </a:r>
             <a:r>
               <a:rPr lang="en-US" sz="2000"/>
@@ -11923,6 +11930,51 @@
           </a:p>
         </p:txBody>
       </p:sp>
+      <p:sp>
+        <p:nvSpPr>
+          <p:cNvPr id="12" name="Text Box 11"/>
+          <p:cNvSpPr txBox="1"/>
+          <p:nvPr/>
+        </p:nvSpPr>
+        <p:spPr>
+          <a:xfrm>
+            <a:off x="648970" y="1403985"/>
+            <a:ext cx="11362055" cy="398780"/>
+          </a:xfrm>
+          <a:prstGeom prst="rect">
+            <a:avLst/>
+          </a:prstGeom>
+          <a:noFill/>
+        </p:spPr>
+        <p:txBody>
+          <a:bodyPr wrap="square" rtlCol="0" anchor="t">
+            <a:spAutoFit/>
+          </a:bodyPr>
+          <a:p>
+            <a:pPr marL="342900" indent="-342900">
+              <a:buFont typeface="Arial" panose="020B0604020202020204" pitchFamily="34" charset="0"/>
+              <a:buChar char="•"/>
+            </a:pPr>
+            <a:r>
+              <a:rPr lang="en-US" sz="2000"/>
+              <a:t>We will create a new layout to </a:t>
+            </a:r>
+            <a:r>
+              <a:rPr lang="en-US" sz="2000" b="1"/>
+              <a:t>render form element</a:t>
+            </a:r>
+            <a:r>
+              <a:rPr lang="en-US" sz="2000"/>
+              <a:t> , we call it </a:t>
+            </a:r>
+            <a:r>
+              <a:rPr lang="en-US" sz="2000" b="1"/>
+              <a:t>_form_element.html</a:t>
+            </a:r>
+            <a:endParaRPr lang="en-US" sz="2000" b="1"/>
+          </a:p>
+        </p:txBody>
+      </p:sp>
       <p:pic>
         <p:nvPicPr>
           <p:cNvPr id="5" name="Picture 4"/>
@@ -11939,48 +11991,24 @@
         </p:blipFill>
         <p:spPr>
           <a:xfrm>
-            <a:off x="930275" y="1674495"/>
-            <a:ext cx="4160520" cy="1362075"/>
+            <a:off x="785495" y="2091690"/>
+            <a:ext cx="5448300" cy="3100070"/>
           </a:xfrm>
           <a:prstGeom prst="rect">
             <a:avLst/>
           </a:prstGeom>
         </p:spPr>
       </p:pic>
-      <p:pic>
-        <p:nvPicPr>
-          <p:cNvPr id="7" name="Picture 6"/>
-          <p:cNvPicPr>
-            <a:picLocks noChangeAspect="1"/>
-          </p:cNvPicPr>
-          <p:nvPr/>
-        </p:nvPicPr>
-        <p:blipFill>
-          <a:blip r:embed="rId2"/>
-          <a:stretch>
-            <a:fillRect/>
-          </a:stretch>
-        </p:blipFill>
-        <p:spPr>
-          <a:xfrm>
-            <a:off x="930275" y="3596005"/>
-            <a:ext cx="8944610" cy="2588260"/>
-          </a:xfrm>
-          <a:prstGeom prst="rect">
-            <a:avLst/>
-          </a:prstGeom>
-        </p:spPr>
-      </p:pic>
-      <p:sp>
-        <p:nvSpPr>
-          <p:cNvPr id="10" name="Text Box 9"/>
+      <p:sp>
+        <p:nvSpPr>
+          <p:cNvPr id="7" name="Text Box 6"/>
           <p:cNvSpPr txBox="1"/>
           <p:nvPr/>
         </p:nvSpPr>
         <p:spPr>
           <a:xfrm>
-            <a:off x="4960620" y="5715635"/>
-            <a:ext cx="4791075" cy="368300"/>
+            <a:off x="649605" y="5293360"/>
+            <a:ext cx="5721350" cy="368300"/>
           </a:xfrm>
           <a:prstGeom prst="rect">
             <a:avLst/>
@@ -11992,14 +12020,13 @@
             <a:spAutoFit/>
           </a:bodyPr>
           <a:p>
-            <a:pPr algn="r"/>
             <a:r>
               <a:rPr lang="en-US">
                 <a:solidFill>
                   <a:srgbClr val="FF0000"/>
                 </a:solidFill>
               </a:rPr>
-              <a:t>pertemuan_2\9_WTForm\app.py</a:t>
+              <a:t>pertemuan_2\9_WTForm\templates\_form_element.html</a:t>
             </a:r>
             <a:endParaRPr lang="en-US">
               <a:solidFill>
@@ -12011,14 +12038,14 @@
       </p:sp>
       <p:sp>
         <p:nvSpPr>
-          <p:cNvPr id="11" name="Text Box 10"/>
+          <p:cNvPr id="8" name="Text Box 7"/>
           <p:cNvSpPr txBox="1"/>
           <p:nvPr/>
         </p:nvSpPr>
         <p:spPr>
           <a:xfrm>
-            <a:off x="648970" y="1189990"/>
-            <a:ext cx="11303000" cy="2245360"/>
+            <a:off x="6370955" y="2091690"/>
+            <a:ext cx="5509260" cy="4092575"/>
           </a:xfrm>
           <a:prstGeom prst="rect">
             <a:avLst/>
@@ -12036,7 +12063,7 @@
             </a:pPr>
             <a:r>
               <a:rPr lang="en-US" sz="2000"/>
-              <a:t>Then import UserForm class inside app.py </a:t>
+              <a:t>This layput will help us render form element like input text, checkbox, password field, and submit button.</a:t>
             </a:r>
             <a:endParaRPr lang="en-US" sz="2000"/>
           </a:p>
@@ -12052,6 +12079,26 @@
               <a:buFont typeface="Arial" panose="020B0604020202020204" pitchFamily="34" charset="0"/>
               <a:buChar char="•"/>
             </a:pPr>
+            <a:r>
+              <a:rPr lang="en-US" sz="2000"/>
+              <a:t>we use Jinja2 </a:t>
+            </a:r>
+            <a:r>
+              <a:rPr lang="en-US" sz="2000" b="1"/>
+              <a:t>macro </a:t>
+            </a:r>
+            <a:r>
+              <a:rPr lang="en-US" sz="2000"/>
+              <a:t>to wrapping an form element to be callable like a function in consumer template (</a:t>
+            </a:r>
+            <a:r>
+              <a:rPr lang="en-US" sz="2000" b="1"/>
+              <a:t>users.html</a:t>
+            </a:r>
+            <a:r>
+              <a:rPr lang="en-US" sz="2000"/>
+              <a:t>)</a:t>
+            </a:r>
             <a:endParaRPr lang="en-US" sz="2000"/>
           </a:p>
           <a:p>
@@ -12066,6 +12113,26 @@
               <a:buFont typeface="Arial" panose="020B0604020202020204" pitchFamily="34" charset="0"/>
               <a:buChar char="•"/>
             </a:pPr>
+            <a:r>
+              <a:rPr lang="en-US" sz="2000"/>
+              <a:t> we set the name of macro to </a:t>
+            </a:r>
+            <a:r>
+              <a:rPr lang="en-US" sz="2000" b="1"/>
+              <a:t>render_field</a:t>
+            </a:r>
+            <a:r>
+              <a:rPr lang="en-US" sz="2000"/>
+              <a:t> with input parameter field that will be filled by </a:t>
+            </a:r>
+            <a:r>
+              <a:rPr lang="en-US" sz="2000" b="1"/>
+              <a:t>WTForm </a:t>
+            </a:r>
+            <a:r>
+              <a:rPr lang="en-US" sz="2000"/>
+              <a:t>object in prev slide., </a:t>
+            </a:r>
             <a:endParaRPr lang="en-US" sz="2000"/>
           </a:p>
           <a:p>
@@ -12082,31 +12149,13 @@
             </a:pPr>
             <a:r>
               <a:rPr lang="en-US" sz="2000"/>
-              <a:t>After that, create </a:t>
-            </a:r>
-            <a:r>
-              <a:rPr lang="en-US" sz="2000" b="1"/>
-              <a:t>form </a:t>
-            </a:r>
-            <a:r>
-              <a:rPr lang="en-US" sz="2000"/>
-              <a:t>object from </a:t>
-            </a:r>
-            <a:r>
-              <a:rPr lang="en-US" sz="2000" b="1"/>
-              <a:t>UserForm </a:t>
-            </a:r>
-            <a:r>
-              <a:rPr lang="en-US" sz="2000"/>
-              <a:t>class and give </a:t>
-            </a:r>
-            <a:r>
-              <a:rPr lang="en-US" sz="2000" b="1"/>
-              <a:t>request.form </a:t>
-            </a:r>
-            <a:r>
-              <a:rPr lang="en-US" sz="2000"/>
-              <a:t>as input </a:t>
+              <a:t>More about </a:t>
+            </a:r>
+            <a:r>
+              <a:rPr lang="en-US" sz="2000">
+                <a:hlinkClick r:id="rId2" action="ppaction://hlinkfile"/>
+              </a:rPr>
+              <a:t>Jinja2 Macro</a:t>
             </a:r>
             <a:endParaRPr lang="en-US" sz="2000"/>
           </a:p>
@@ -12132,7 +12181,185 @@
       <p:grpSpPr/>
       <p:sp>
         <p:nvSpPr>
-          <p:cNvPr id="4" name="Rectangles 3"/>
+          <p:cNvPr id="12" name="Text Box 11"/>
+          <p:cNvSpPr txBox="1"/>
+          <p:nvPr/>
+        </p:nvSpPr>
+        <p:spPr>
+          <a:xfrm>
+            <a:off x="648970" y="1189990"/>
+            <a:ext cx="5944870" cy="5631180"/>
+          </a:xfrm>
+          <a:prstGeom prst="rect">
+            <a:avLst/>
+          </a:prstGeom>
+          <a:noFill/>
+        </p:spPr>
+        <p:txBody>
+          <a:bodyPr wrap="square" rtlCol="0" anchor="t">
+            <a:spAutoFit/>
+          </a:bodyPr>
+          <a:p>
+            <a:pPr marL="342900" indent="-342900">
+              <a:buFont typeface="Arial" panose="020B0604020202020204" pitchFamily="34" charset="0"/>
+              <a:buChar char="•"/>
+            </a:pPr>
+            <a:r>
+              <a:rPr lang="en-US" sz="2000"/>
+              <a:t>Then we can render the </a:t>
+            </a:r>
+            <a:r>
+              <a:rPr lang="en-US" sz="2000" b="1"/>
+              <a:t>form </a:t>
+            </a:r>
+            <a:r>
+              <a:rPr lang="en-US" sz="2000"/>
+              <a:t>using</a:t>
+            </a:r>
+            <a:r>
+              <a:rPr lang="en-US" sz="2000" b="1"/>
+              <a:t> render_field()</a:t>
+            </a:r>
+            <a:r>
+              <a:rPr lang="en-US" sz="2000"/>
+              <a:t> macro inside </a:t>
+            </a:r>
+            <a:r>
+              <a:rPr lang="en-US" sz="2000" b="1"/>
+              <a:t>_form_element.html </a:t>
+            </a:r>
+            <a:endParaRPr lang="en-US" sz="2000"/>
+          </a:p>
+          <a:p>
+            <a:pPr marL="342900" indent="-342900">
+              <a:buFont typeface="Arial" panose="020B0604020202020204" pitchFamily="34" charset="0"/>
+              <a:buChar char="•"/>
+            </a:pPr>
+            <a:endParaRPr lang="en-US" sz="2000"/>
+          </a:p>
+          <a:p>
+            <a:pPr marL="342900" indent="-342900">
+              <a:buFont typeface="Arial" panose="020B0604020202020204" pitchFamily="34" charset="0"/>
+              <a:buChar char="•"/>
+            </a:pPr>
+            <a:endParaRPr lang="en-US" sz="2000"/>
+          </a:p>
+          <a:p>
+            <a:pPr marL="342900" indent="-342900">
+              <a:buFont typeface="Arial" panose="020B0604020202020204" pitchFamily="34" charset="0"/>
+              <a:buChar char="•"/>
+            </a:pPr>
+            <a:endParaRPr lang="en-US" sz="2000"/>
+          </a:p>
+          <a:p>
+            <a:pPr marL="342900" indent="-342900">
+              <a:buFont typeface="Arial" panose="020B0604020202020204" pitchFamily="34" charset="0"/>
+              <a:buChar char="•"/>
+            </a:pPr>
+            <a:endParaRPr lang="en-US" sz="2000"/>
+          </a:p>
+          <a:p>
+            <a:pPr marL="342900" indent="-342900">
+              <a:buFont typeface="Arial" panose="020B0604020202020204" pitchFamily="34" charset="0"/>
+              <a:buChar char="•"/>
+            </a:pPr>
+            <a:endParaRPr lang="en-US" sz="2000"/>
+          </a:p>
+          <a:p>
+            <a:pPr marL="342900" indent="-342900">
+              <a:buFont typeface="Arial" panose="020B0604020202020204" pitchFamily="34" charset="0"/>
+              <a:buChar char="•"/>
+            </a:pPr>
+            <a:endParaRPr lang="en-US" sz="2000"/>
+          </a:p>
+          <a:p>
+            <a:pPr marL="342900" indent="-342900">
+              <a:buFont typeface="Arial" panose="020B0604020202020204" pitchFamily="34" charset="0"/>
+              <a:buChar char="•"/>
+            </a:pPr>
+            <a:endParaRPr lang="en-US" sz="2000"/>
+          </a:p>
+          <a:p>
+            <a:pPr marL="342900" indent="-342900">
+              <a:buFont typeface="Arial" panose="020B0604020202020204" pitchFamily="34" charset="0"/>
+              <a:buChar char="•"/>
+            </a:pPr>
+            <a:endParaRPr lang="en-US" sz="2000"/>
+          </a:p>
+          <a:p>
+            <a:pPr marL="342900" indent="-342900">
+              <a:buFont typeface="Arial" panose="020B0604020202020204" pitchFamily="34" charset="0"/>
+              <a:buChar char="•"/>
+            </a:pPr>
+            <a:endParaRPr lang="en-US" sz="2000"/>
+          </a:p>
+          <a:p>
+            <a:pPr marL="342900" indent="-342900">
+              <a:buFont typeface="Arial" panose="020B0604020202020204" pitchFamily="34" charset="0"/>
+              <a:buChar char="•"/>
+            </a:pPr>
+            <a:endParaRPr lang="en-US" sz="2000"/>
+          </a:p>
+          <a:p>
+            <a:pPr marL="342900" indent="-342900">
+              <a:buFont typeface="Arial" panose="020B0604020202020204" pitchFamily="34" charset="0"/>
+              <a:buChar char="•"/>
+            </a:pPr>
+            <a:endParaRPr lang="en-US" sz="2000"/>
+          </a:p>
+          <a:p>
+            <a:pPr marL="342900" indent="-342900">
+              <a:buFont typeface="Arial" panose="020B0604020202020204" pitchFamily="34" charset="0"/>
+              <a:buChar char="•"/>
+            </a:pPr>
+            <a:r>
+              <a:rPr lang="en-US" sz="2000"/>
+              <a:t>If we he alot of form, this mechanism much more cleans and easy to maintain if form specification (style, etc.) changes.</a:t>
+            </a:r>
+            <a:endParaRPr lang="en-US" sz="2000"/>
+          </a:p>
+          <a:p>
+            <a:pPr marL="342900" indent="-342900">
+              <a:buFont typeface="Arial" panose="020B0604020202020204" pitchFamily="34" charset="0"/>
+              <a:buChar char="•"/>
+            </a:pPr>
+            <a:r>
+              <a:rPr lang="en-US" sz="2000"/>
+              <a:t>In the next part we will learn how to add Bootstrap class inside our rendered field. </a:t>
+            </a:r>
+            <a:endParaRPr lang="en-US" sz="2000"/>
+          </a:p>
+        </p:txBody>
+      </p:sp>
+      <p:pic>
+        <p:nvPicPr>
+          <p:cNvPr id="6" name="Content Placeholder 5" descr="Capture"/>
+          <p:cNvPicPr>
+            <a:picLocks noChangeAspect="1"/>
+          </p:cNvPicPr>
+          <p:nvPr>
+            <p:ph idx="1"/>
+          </p:nvPr>
+        </p:nvPicPr>
+        <p:blipFill>
+          <a:blip r:embed="rId1"/>
+          <a:stretch>
+            <a:fillRect/>
+          </a:stretch>
+        </p:blipFill>
+        <p:spPr>
+          <a:xfrm>
+            <a:off x="7816850" y="1115060"/>
+            <a:ext cx="3754120" cy="5707380"/>
+          </a:xfrm>
+          <a:prstGeom prst="rect">
+            <a:avLst/>
+          </a:prstGeom>
+        </p:spPr>
+      </p:pic>
+      <p:sp>
+        <p:nvSpPr>
+          <p:cNvPr id="8" name="Rectangles 7"/>
           <p:cNvSpPr/>
           <p:nvPr/>
         </p:nvSpPr>
@@ -12217,518 +12444,6 @@
       </p:sp>
       <p:sp>
         <p:nvSpPr>
-          <p:cNvPr id="12" name="Text Box 11"/>
-          <p:cNvSpPr txBox="1"/>
-          <p:nvPr/>
-        </p:nvSpPr>
-        <p:spPr>
-          <a:xfrm>
-            <a:off x="648970" y="1403985"/>
-            <a:ext cx="11362055" cy="398780"/>
-          </a:xfrm>
-          <a:prstGeom prst="rect">
-            <a:avLst/>
-          </a:prstGeom>
-          <a:noFill/>
-        </p:spPr>
-        <p:txBody>
-          <a:bodyPr wrap="square" rtlCol="0" anchor="t">
-            <a:spAutoFit/>
-          </a:bodyPr>
-          <a:p>
-            <a:pPr marL="342900" indent="-342900">
-              <a:buFont typeface="Arial" panose="020B0604020202020204" pitchFamily="34" charset="0"/>
-              <a:buChar char="•"/>
-            </a:pPr>
-            <a:r>
-              <a:rPr lang="en-US" sz="2000"/>
-              <a:t>We will create a new layout to </a:t>
-            </a:r>
-            <a:r>
-              <a:rPr lang="en-US" sz="2000" b="1"/>
-              <a:t>render form element</a:t>
-            </a:r>
-            <a:r>
-              <a:rPr lang="en-US" sz="2000"/>
-              <a:t> , we call it </a:t>
-            </a:r>
-            <a:r>
-              <a:rPr lang="en-US" sz="2000" b="1"/>
-              <a:t>_form_element.html</a:t>
-            </a:r>
-            <a:endParaRPr lang="en-US" sz="2000" b="1"/>
-          </a:p>
-        </p:txBody>
-      </p:sp>
-      <p:pic>
-        <p:nvPicPr>
-          <p:cNvPr id="5" name="Picture 4"/>
-          <p:cNvPicPr>
-            <a:picLocks noChangeAspect="1"/>
-          </p:cNvPicPr>
-          <p:nvPr/>
-        </p:nvPicPr>
-        <p:blipFill>
-          <a:blip r:embed="rId1"/>
-          <a:stretch>
-            <a:fillRect/>
-          </a:stretch>
-        </p:blipFill>
-        <p:spPr>
-          <a:xfrm>
-            <a:off x="785495" y="2091690"/>
-            <a:ext cx="5448300" cy="3100070"/>
-          </a:xfrm>
-          <a:prstGeom prst="rect">
-            <a:avLst/>
-          </a:prstGeom>
-        </p:spPr>
-      </p:pic>
-      <p:sp>
-        <p:nvSpPr>
-          <p:cNvPr id="7" name="Text Box 6"/>
-          <p:cNvSpPr txBox="1"/>
-          <p:nvPr/>
-        </p:nvSpPr>
-        <p:spPr>
-          <a:xfrm>
-            <a:off x="649605" y="5293360"/>
-            <a:ext cx="5721350" cy="368300"/>
-          </a:xfrm>
-          <a:prstGeom prst="rect">
-            <a:avLst/>
-          </a:prstGeom>
-          <a:noFill/>
-        </p:spPr>
-        <p:txBody>
-          <a:bodyPr wrap="square" rtlCol="0" anchor="t">
-            <a:spAutoFit/>
-          </a:bodyPr>
-          <a:p>
-            <a:r>
-              <a:rPr lang="en-US">
-                <a:solidFill>
-                  <a:srgbClr val="FF0000"/>
-                </a:solidFill>
-              </a:rPr>
-              <a:t>pertemuan_2\9_WTForm\templates\_form_element.html</a:t>
-            </a:r>
-            <a:endParaRPr lang="en-US">
-              <a:solidFill>
-                <a:srgbClr val="FF0000"/>
-              </a:solidFill>
-            </a:endParaRPr>
-          </a:p>
-        </p:txBody>
-      </p:sp>
-      <p:sp>
-        <p:nvSpPr>
-          <p:cNvPr id="8" name="Text Box 7"/>
-          <p:cNvSpPr txBox="1"/>
-          <p:nvPr/>
-        </p:nvSpPr>
-        <p:spPr>
-          <a:xfrm>
-            <a:off x="6370955" y="2091690"/>
-            <a:ext cx="5509260" cy="4092575"/>
-          </a:xfrm>
-          <a:prstGeom prst="rect">
-            <a:avLst/>
-          </a:prstGeom>
-          <a:noFill/>
-        </p:spPr>
-        <p:txBody>
-          <a:bodyPr wrap="square" rtlCol="0" anchor="t">
-            <a:spAutoFit/>
-          </a:bodyPr>
-          <a:p>
-            <a:pPr marL="342900" indent="-342900">
-              <a:buFont typeface="Arial" panose="020B0604020202020204" pitchFamily="34" charset="0"/>
-              <a:buChar char="•"/>
-            </a:pPr>
-            <a:r>
-              <a:rPr lang="en-US" sz="2000"/>
-              <a:t>This layput will help us render form element like input text, checkbox, password field, and submit button.</a:t>
-            </a:r>
-            <a:endParaRPr lang="en-US" sz="2000"/>
-          </a:p>
-          <a:p>
-            <a:pPr marL="342900" indent="-342900">
-              <a:buFont typeface="Arial" panose="020B0604020202020204" pitchFamily="34" charset="0"/>
-              <a:buChar char="•"/>
-            </a:pPr>
-            <a:endParaRPr lang="en-US" sz="2000"/>
-          </a:p>
-          <a:p>
-            <a:pPr marL="342900" indent="-342900">
-              <a:buFont typeface="Arial" panose="020B0604020202020204" pitchFamily="34" charset="0"/>
-              <a:buChar char="•"/>
-            </a:pPr>
-            <a:r>
-              <a:rPr lang="en-US" sz="2000"/>
-              <a:t>we use Jinja2 </a:t>
-            </a:r>
-            <a:r>
-              <a:rPr lang="en-US" sz="2000" b="1"/>
-              <a:t>macro </a:t>
-            </a:r>
-            <a:r>
-              <a:rPr lang="en-US" sz="2000"/>
-              <a:t>to wrapping an form element to be callable like a function in consumer template (</a:t>
-            </a:r>
-            <a:r>
-              <a:rPr lang="en-US" sz="2000" b="1"/>
-              <a:t>users.html</a:t>
-            </a:r>
-            <a:r>
-              <a:rPr lang="en-US" sz="2000"/>
-              <a:t>)</a:t>
-            </a:r>
-            <a:endParaRPr lang="en-US" sz="2000"/>
-          </a:p>
-          <a:p>
-            <a:pPr marL="342900" indent="-342900">
-              <a:buFont typeface="Arial" panose="020B0604020202020204" pitchFamily="34" charset="0"/>
-              <a:buChar char="•"/>
-            </a:pPr>
-            <a:endParaRPr lang="en-US" sz="2000"/>
-          </a:p>
-          <a:p>
-            <a:pPr marL="342900" indent="-342900">
-              <a:buFont typeface="Arial" panose="020B0604020202020204" pitchFamily="34" charset="0"/>
-              <a:buChar char="•"/>
-            </a:pPr>
-            <a:r>
-              <a:rPr lang="en-US" sz="2000"/>
-              <a:t> we set the name of macro to </a:t>
-            </a:r>
-            <a:r>
-              <a:rPr lang="en-US" sz="2000" b="1"/>
-              <a:t>render_field</a:t>
-            </a:r>
-            <a:r>
-              <a:rPr lang="en-US" sz="2000"/>
-              <a:t> with input parameter field that will be filled by </a:t>
-            </a:r>
-            <a:r>
-              <a:rPr lang="en-US" sz="2000" b="1"/>
-              <a:t>WTForm </a:t>
-            </a:r>
-            <a:r>
-              <a:rPr lang="en-US" sz="2000"/>
-              <a:t>object in prev slide., </a:t>
-            </a:r>
-            <a:endParaRPr lang="en-US" sz="2000"/>
-          </a:p>
-          <a:p>
-            <a:pPr marL="342900" indent="-342900">
-              <a:buFont typeface="Arial" panose="020B0604020202020204" pitchFamily="34" charset="0"/>
-              <a:buChar char="•"/>
-            </a:pPr>
-            <a:endParaRPr lang="en-US" sz="2000"/>
-          </a:p>
-          <a:p>
-            <a:pPr marL="342900" indent="-342900">
-              <a:buFont typeface="Arial" panose="020B0604020202020204" pitchFamily="34" charset="0"/>
-              <a:buChar char="•"/>
-            </a:pPr>
-            <a:r>
-              <a:rPr lang="en-US" sz="2000"/>
-              <a:t>More about </a:t>
-            </a:r>
-            <a:r>
-              <a:rPr lang="en-US" sz="2000">
-                <a:hlinkClick r:id="rId2" action="ppaction://hlinkfile"/>
-              </a:rPr>
-              <a:t>Jinja2 Macro</a:t>
-            </a:r>
-            <a:endParaRPr lang="en-US" sz="2000"/>
-          </a:p>
-        </p:txBody>
-      </p:sp>
-    </p:spTree>
-  </p:cSld>
-  <p:clrMapOvr>
-    <a:masterClrMapping/>
-  </p:clrMapOvr>
-</p:sld>
-</file>
-
-<file path=ppt/slides/slide32.xml><?xml version="1.0" encoding="utf-8"?>
-<p:sld xmlns:a="http://schemas.openxmlformats.org/drawingml/2006/main" xmlns:r="http://schemas.openxmlformats.org/officeDocument/2006/relationships" xmlns:p="http://schemas.openxmlformats.org/presentationml/2006/main">
-  <p:cSld>
-    <p:spTree>
-      <p:nvGrpSpPr>
-        <p:cNvPr id="1" name=""/>
-        <p:cNvGrpSpPr/>
-        <p:nvPr/>
-      </p:nvGrpSpPr>
-      <p:grpSpPr/>
-      <p:sp>
-        <p:nvSpPr>
-          <p:cNvPr id="12" name="Text Box 11"/>
-          <p:cNvSpPr txBox="1"/>
-          <p:nvPr/>
-        </p:nvSpPr>
-        <p:spPr>
-          <a:xfrm>
-            <a:off x="648970" y="1189990"/>
-            <a:ext cx="5944870" cy="5631180"/>
-          </a:xfrm>
-          <a:prstGeom prst="rect">
-            <a:avLst/>
-          </a:prstGeom>
-          <a:noFill/>
-        </p:spPr>
-        <p:txBody>
-          <a:bodyPr wrap="square" rtlCol="0" anchor="t">
-            <a:spAutoFit/>
-          </a:bodyPr>
-          <a:p>
-            <a:pPr marL="342900" indent="-342900">
-              <a:buFont typeface="Arial" panose="020B0604020202020204" pitchFamily="34" charset="0"/>
-              <a:buChar char="•"/>
-            </a:pPr>
-            <a:r>
-              <a:rPr lang="en-US" sz="2000"/>
-              <a:t>Then we can render the </a:t>
-            </a:r>
-            <a:r>
-              <a:rPr lang="en-US" sz="2000" b="1"/>
-              <a:t>form </a:t>
-            </a:r>
-            <a:r>
-              <a:rPr lang="en-US" sz="2000"/>
-              <a:t>using</a:t>
-            </a:r>
-            <a:r>
-              <a:rPr lang="en-US" sz="2000" b="1"/>
-              <a:t> render_field()</a:t>
-            </a:r>
-            <a:r>
-              <a:rPr lang="en-US" sz="2000"/>
-              <a:t> macro inside </a:t>
-            </a:r>
-            <a:r>
-              <a:rPr lang="en-US" sz="2000" b="1"/>
-              <a:t>_form_element.html </a:t>
-            </a:r>
-            <a:endParaRPr lang="en-US" sz="2000"/>
-          </a:p>
-          <a:p>
-            <a:pPr marL="342900" indent="-342900">
-              <a:buFont typeface="Arial" panose="020B0604020202020204" pitchFamily="34" charset="0"/>
-              <a:buChar char="•"/>
-            </a:pPr>
-            <a:endParaRPr lang="en-US" sz="2000"/>
-          </a:p>
-          <a:p>
-            <a:pPr marL="342900" indent="-342900">
-              <a:buFont typeface="Arial" panose="020B0604020202020204" pitchFamily="34" charset="0"/>
-              <a:buChar char="•"/>
-            </a:pPr>
-            <a:endParaRPr lang="en-US" sz="2000"/>
-          </a:p>
-          <a:p>
-            <a:pPr marL="342900" indent="-342900">
-              <a:buFont typeface="Arial" panose="020B0604020202020204" pitchFamily="34" charset="0"/>
-              <a:buChar char="•"/>
-            </a:pPr>
-            <a:endParaRPr lang="en-US" sz="2000"/>
-          </a:p>
-          <a:p>
-            <a:pPr marL="342900" indent="-342900">
-              <a:buFont typeface="Arial" panose="020B0604020202020204" pitchFamily="34" charset="0"/>
-              <a:buChar char="•"/>
-            </a:pPr>
-            <a:endParaRPr lang="en-US" sz="2000"/>
-          </a:p>
-          <a:p>
-            <a:pPr marL="342900" indent="-342900">
-              <a:buFont typeface="Arial" panose="020B0604020202020204" pitchFamily="34" charset="0"/>
-              <a:buChar char="•"/>
-            </a:pPr>
-            <a:endParaRPr lang="en-US" sz="2000"/>
-          </a:p>
-          <a:p>
-            <a:pPr marL="342900" indent="-342900">
-              <a:buFont typeface="Arial" panose="020B0604020202020204" pitchFamily="34" charset="0"/>
-              <a:buChar char="•"/>
-            </a:pPr>
-            <a:endParaRPr lang="en-US" sz="2000"/>
-          </a:p>
-          <a:p>
-            <a:pPr marL="342900" indent="-342900">
-              <a:buFont typeface="Arial" panose="020B0604020202020204" pitchFamily="34" charset="0"/>
-              <a:buChar char="•"/>
-            </a:pPr>
-            <a:endParaRPr lang="en-US" sz="2000"/>
-          </a:p>
-          <a:p>
-            <a:pPr marL="342900" indent="-342900">
-              <a:buFont typeface="Arial" panose="020B0604020202020204" pitchFamily="34" charset="0"/>
-              <a:buChar char="•"/>
-            </a:pPr>
-            <a:endParaRPr lang="en-US" sz="2000"/>
-          </a:p>
-          <a:p>
-            <a:pPr marL="342900" indent="-342900">
-              <a:buFont typeface="Arial" panose="020B0604020202020204" pitchFamily="34" charset="0"/>
-              <a:buChar char="•"/>
-            </a:pPr>
-            <a:endParaRPr lang="en-US" sz="2000"/>
-          </a:p>
-          <a:p>
-            <a:pPr marL="342900" indent="-342900">
-              <a:buFont typeface="Arial" panose="020B0604020202020204" pitchFamily="34" charset="0"/>
-              <a:buChar char="•"/>
-            </a:pPr>
-            <a:endParaRPr lang="en-US" sz="2000"/>
-          </a:p>
-          <a:p>
-            <a:pPr marL="342900" indent="-342900">
-              <a:buFont typeface="Arial" panose="020B0604020202020204" pitchFamily="34" charset="0"/>
-              <a:buChar char="•"/>
-            </a:pPr>
-            <a:endParaRPr lang="en-US" sz="2000"/>
-          </a:p>
-          <a:p>
-            <a:pPr marL="342900" indent="-342900">
-              <a:buFont typeface="Arial" panose="020B0604020202020204" pitchFamily="34" charset="0"/>
-              <a:buChar char="•"/>
-            </a:pPr>
-            <a:r>
-              <a:rPr lang="en-US" sz="2000"/>
-              <a:t>If we he alot of form, this mechanism much more cleans and easy to maintain if form specification (style, etc.) changes.</a:t>
-            </a:r>
-            <a:endParaRPr lang="en-US" sz="2000"/>
-          </a:p>
-          <a:p>
-            <a:pPr marL="342900" indent="-342900">
-              <a:buFont typeface="Arial" panose="020B0604020202020204" pitchFamily="34" charset="0"/>
-              <a:buChar char="•"/>
-            </a:pPr>
-            <a:r>
-              <a:rPr lang="en-US" sz="2000"/>
-              <a:t>In the next part we will learn how to add Bootstrap class inside our rendered field. </a:t>
-            </a:r>
-            <a:endParaRPr lang="en-US" sz="2000"/>
-          </a:p>
-        </p:txBody>
-      </p:sp>
-      <p:pic>
-        <p:nvPicPr>
-          <p:cNvPr id="6" name="Content Placeholder 5" descr="Capture"/>
-          <p:cNvPicPr>
-            <a:picLocks noChangeAspect="1"/>
-          </p:cNvPicPr>
-          <p:nvPr>
-            <p:ph idx="1"/>
-          </p:nvPr>
-        </p:nvPicPr>
-        <p:blipFill>
-          <a:blip r:embed="rId1"/>
-          <a:stretch>
-            <a:fillRect/>
-          </a:stretch>
-        </p:blipFill>
-        <p:spPr>
-          <a:xfrm>
-            <a:off x="7816850" y="1115060"/>
-            <a:ext cx="3754120" cy="5707380"/>
-          </a:xfrm>
-          <a:prstGeom prst="rect">
-            <a:avLst/>
-          </a:prstGeom>
-        </p:spPr>
-      </p:pic>
-      <p:sp>
-        <p:nvSpPr>
-          <p:cNvPr id="8" name="Rectangles 7"/>
-          <p:cNvSpPr/>
-          <p:nvPr/>
-        </p:nvSpPr>
-        <p:spPr>
-          <a:xfrm>
-            <a:off x="0" y="-9525"/>
-            <a:ext cx="12211050" cy="1124585"/>
-          </a:xfrm>
-          <a:prstGeom prst="rect">
-            <a:avLst/>
-          </a:prstGeom>
-          <a:solidFill>
-            <a:srgbClr val="F44336"/>
-          </a:solidFill>
-          <a:ln>
-            <a:noFill/>
-          </a:ln>
-        </p:spPr>
-        <p:style>
-          <a:lnRef idx="2">
-            <a:schemeClr val="accent1">
-              <a:shade val="50000"/>
-            </a:schemeClr>
-          </a:lnRef>
-          <a:fillRef idx="1">
-            <a:schemeClr val="accent1"/>
-          </a:fillRef>
-          <a:effectRef idx="0">
-            <a:schemeClr val="accent1"/>
-          </a:effectRef>
-          <a:fontRef idx="minor">
-            <a:schemeClr val="lt1"/>
-          </a:fontRef>
-        </p:style>
-        <p:txBody>
-          <a:bodyPr rtlCol="0" anchor="ctr"/>
-          <a:p>
-            <a:pPr algn="ctr"/>
-            <a:endParaRPr lang="en-US"/>
-          </a:p>
-        </p:txBody>
-      </p:sp>
-      <p:sp>
-        <p:nvSpPr>
-          <p:cNvPr id="9" name="Text Box 8"/>
-          <p:cNvSpPr txBox="1"/>
-          <p:nvPr/>
-        </p:nvSpPr>
-        <p:spPr>
-          <a:xfrm>
-            <a:off x="458470" y="229870"/>
-            <a:ext cx="1782445" cy="645160"/>
-          </a:xfrm>
-          <a:prstGeom prst="rect">
-            <a:avLst/>
-          </a:prstGeom>
-          <a:noFill/>
-        </p:spPr>
-        <p:txBody>
-          <a:bodyPr wrap="none" rtlCol="0">
-            <a:spAutoFit/>
-          </a:bodyPr>
-          <a:p>
-            <a:pPr algn="l"/>
-            <a:r>
-              <a:rPr lang="en-US" sz="3600">
-                <a:solidFill>
-                  <a:schemeClr val="bg1"/>
-                </a:solidFill>
-                <a:sym typeface="+mn-ea"/>
-              </a:rPr>
-              <a:t>WTForm</a:t>
-            </a:r>
-            <a:endParaRPr lang="en-US" sz="3600">
-              <a:solidFill>
-                <a:schemeClr val="bg1"/>
-              </a:solidFill>
-              <a:sym typeface="+mn-ea"/>
-            </a:endParaRPr>
-          </a:p>
-        </p:txBody>
-      </p:sp>
-      <p:sp>
-        <p:nvSpPr>
           <p:cNvPr id="10" name="Left Brace 9"/>
           <p:cNvSpPr/>
           <p:nvPr/>
@@ -12842,7 +12557,7 @@
 </p:sld>
 </file>
 
-<file path=ppt/slides/slide33.xml><?xml version="1.0" encoding="utf-8"?>
+<file path=ppt/slides/slide32.xml><?xml version="1.0" encoding="utf-8"?>
 <p:sld xmlns:a="http://schemas.openxmlformats.org/drawingml/2006/main" xmlns:r="http://schemas.openxmlformats.org/officeDocument/2006/relationships" xmlns:p="http://schemas.openxmlformats.org/presentationml/2006/main">
   <p:cSld>
     <p:spTree>
